--- a/Arduino Workshop.pptx
+++ b/Arduino Workshop.pptx
@@ -216,7 +216,7 @@
           <a:p>
             <a:fld id="{392BDDED-10FB-40DB-8F4F-B29FD63EBC1F}" type="datetimeFigureOut">
               <a:rPr lang="en-US" smtClean="0"/>
-              <a:t>2/10/2018</a:t>
+              <a:t>2/12/2018</a:t>
             </a:fld>
             <a:endParaRPr lang="en-US"/>
           </a:p>
@@ -836,6 +836,102 @@
 </p:notes>
 </file>
 
+<file path=ppt/notesSlides/notesSlide13.xml><?xml version="1.0" encoding="utf-8"?>
+<p:notes xmlns:a="http://schemas.openxmlformats.org/drawingml/2006/main" xmlns:r="http://schemas.openxmlformats.org/officeDocument/2006/relationships" xmlns:p="http://schemas.openxmlformats.org/presentationml/2006/main">
+  <p:cSld>
+    <p:spTree>
+      <p:nvGrpSpPr>
+        <p:cNvPr id="1" name=""/>
+        <p:cNvGrpSpPr/>
+        <p:nvPr/>
+      </p:nvGrpSpPr>
+      <p:grpSpPr>
+        <a:xfrm>
+          <a:off x="0" y="0"/>
+          <a:ext cx="0" cy="0"/>
+          <a:chOff x="0" y="0"/>
+          <a:chExt cx="0" cy="0"/>
+        </a:xfrm>
+      </p:grpSpPr>
+      <p:sp>
+        <p:nvSpPr>
+          <p:cNvPr id="2" name="Slide Image Placeholder 1"/>
+          <p:cNvSpPr>
+            <a:spLocks noGrp="1" noRot="1" noChangeAspect="1"/>
+          </p:cNvSpPr>
+          <p:nvPr>
+            <p:ph type="sldImg"/>
+          </p:nvPr>
+        </p:nvSpPr>
+        <p:spPr/>
+      </p:sp>
+      <p:sp>
+        <p:nvSpPr>
+          <p:cNvPr id="3" name="Notes Placeholder 2"/>
+          <p:cNvSpPr>
+            <a:spLocks noGrp="1"/>
+          </p:cNvSpPr>
+          <p:nvPr>
+            <p:ph type="body" idx="1"/>
+          </p:nvPr>
+        </p:nvSpPr>
+        <p:spPr/>
+        <p:txBody>
+          <a:bodyPr/>
+          <a:lstStyle/>
+          <a:p>
+            <a:r>
+              <a:rPr lang="en-US" dirty="0" smtClean="0"/>
+              <a:t>IR</a:t>
+            </a:r>
+            <a:r>
+              <a:rPr lang="en-US" baseline="0" dirty="0" smtClean="0"/>
+              <a:t> </a:t>
+            </a:r>
+            <a:r>
+              <a:rPr lang="en-US" baseline="0" smtClean="0"/>
+              <a:t>remote library used:  https://github.com/z3t0/Arduino-IRremote</a:t>
+            </a:r>
+            <a:endParaRPr lang="en-US"/>
+          </a:p>
+        </p:txBody>
+      </p:sp>
+      <p:sp>
+        <p:nvSpPr>
+          <p:cNvPr id="4" name="Slide Number Placeholder 3"/>
+          <p:cNvSpPr>
+            <a:spLocks noGrp="1"/>
+          </p:cNvSpPr>
+          <p:nvPr>
+            <p:ph type="sldNum" sz="quarter" idx="10"/>
+          </p:nvPr>
+        </p:nvSpPr>
+        <p:spPr/>
+        <p:txBody>
+          <a:bodyPr/>
+          <a:lstStyle/>
+          <a:p>
+            <a:fld id="{0FFEF2C3-AB1D-4373-89DB-97C0DA77BF3E}" type="slidenum">
+              <a:rPr lang="en-US" smtClean="0"/>
+              <a:t>19</a:t>
+            </a:fld>
+            <a:endParaRPr lang="en-US"/>
+          </a:p>
+        </p:txBody>
+      </p:sp>
+    </p:spTree>
+    <p:extLst>
+      <p:ext uri="{BB962C8B-B14F-4D97-AF65-F5344CB8AC3E}">
+        <p14:creationId xmlns:p14="http://schemas.microsoft.com/office/powerpoint/2010/main" val="1312248076"/>
+      </p:ext>
+    </p:extLst>
+  </p:cSld>
+  <p:clrMapOvr>
+    <a:masterClrMapping/>
+  </p:clrMapOvr>
+</p:notes>
+</file>
+
 <file path=ppt/notesSlides/notesSlide2.xml><?xml version="1.0" encoding="utf-8"?>
 <p:notes xmlns:a="http://schemas.openxmlformats.org/drawingml/2006/main" xmlns:r="http://schemas.openxmlformats.org/officeDocument/2006/relationships" xmlns:p="http://schemas.openxmlformats.org/presentationml/2006/main">
   <p:cSld>
@@ -8172,7 +8268,7 @@
           <a:p>
             <a:fld id="{32D44716-4C9F-4AAD-9C92-6002A8E112F8}" type="datetimeFigureOut">
               <a:rPr lang="en-US" smtClean="0"/>
-              <a:t>2/10/2018</a:t>
+              <a:t>2/12/2018</a:t>
             </a:fld>
             <a:endParaRPr lang="en-US"/>
           </a:p>
@@ -8379,7 +8475,7 @@
           <a:p>
             <a:fld id="{32D44716-4C9F-4AAD-9C92-6002A8E112F8}" type="datetimeFigureOut">
               <a:rPr lang="en-US" smtClean="0"/>
-              <a:t>2/10/2018</a:t>
+              <a:t>2/12/2018</a:t>
             </a:fld>
             <a:endParaRPr lang="en-US"/>
           </a:p>
@@ -8559,7 +8655,7 @@
           <a:p>
             <a:fld id="{32D44716-4C9F-4AAD-9C92-6002A8E112F8}" type="datetimeFigureOut">
               <a:rPr lang="en-US" smtClean="0"/>
-              <a:t>2/10/2018</a:t>
+              <a:t>2/12/2018</a:t>
             </a:fld>
             <a:endParaRPr lang="en-US"/>
           </a:p>
@@ -8764,7 +8860,7 @@
           <a:p>
             <a:fld id="{32D44716-4C9F-4AAD-9C92-6002A8E112F8}" type="datetimeFigureOut">
               <a:rPr lang="en-US" smtClean="0"/>
-              <a:t>2/10/2018</a:t>
+              <a:t>2/12/2018</a:t>
             </a:fld>
             <a:endParaRPr lang="en-US"/>
           </a:p>
@@ -15502,7 +15598,7 @@
           <a:p>
             <a:fld id="{32D44716-4C9F-4AAD-9C92-6002A8E112F8}" type="datetimeFigureOut">
               <a:rPr lang="en-US" smtClean="0"/>
-              <a:t>2/10/2018</a:t>
+              <a:t>2/12/2018</a:t>
             </a:fld>
             <a:endParaRPr lang="en-US"/>
           </a:p>
@@ -15776,7 +15872,7 @@
           <a:p>
             <a:fld id="{32D44716-4C9F-4AAD-9C92-6002A8E112F8}" type="datetimeFigureOut">
               <a:rPr lang="en-US" smtClean="0"/>
-              <a:t>2/10/2018</a:t>
+              <a:t>2/12/2018</a:t>
             </a:fld>
             <a:endParaRPr lang="en-US"/>
           </a:p>
@@ -16179,7 +16275,7 @@
           <a:p>
             <a:fld id="{32D44716-4C9F-4AAD-9C92-6002A8E112F8}" type="datetimeFigureOut">
               <a:rPr lang="en-US" smtClean="0"/>
-              <a:t>2/10/2018</a:t>
+              <a:t>2/12/2018</a:t>
             </a:fld>
             <a:endParaRPr lang="en-US"/>
           </a:p>
@@ -16297,7 +16393,7 @@
           <a:p>
             <a:fld id="{32D44716-4C9F-4AAD-9C92-6002A8E112F8}" type="datetimeFigureOut">
               <a:rPr lang="en-US" smtClean="0"/>
-              <a:t>2/10/2018</a:t>
+              <a:t>2/12/2018</a:t>
             </a:fld>
             <a:endParaRPr lang="en-US"/>
           </a:p>
@@ -16392,7 +16488,7 @@
           <a:p>
             <a:fld id="{32D44716-4C9F-4AAD-9C92-6002A8E112F8}" type="datetimeFigureOut">
               <a:rPr lang="en-US" smtClean="0"/>
-              <a:t>2/10/2018</a:t>
+              <a:t>2/12/2018</a:t>
             </a:fld>
             <a:endParaRPr lang="en-US"/>
           </a:p>
@@ -16684,7 +16780,7 @@
           <a:p>
             <a:fld id="{32D44716-4C9F-4AAD-9C92-6002A8E112F8}" type="datetimeFigureOut">
               <a:rPr lang="en-US" smtClean="0"/>
-              <a:t>2/10/2018</a:t>
+              <a:t>2/12/2018</a:t>
             </a:fld>
             <a:endParaRPr lang="en-US"/>
           </a:p>
@@ -16964,7 +17060,7 @@
           <a:p>
             <a:fld id="{32D44716-4C9F-4AAD-9C92-6002A8E112F8}" type="datetimeFigureOut">
               <a:rPr lang="en-US" smtClean="0"/>
-              <a:t>2/10/2018</a:t>
+              <a:t>2/12/2018</a:t>
             </a:fld>
             <a:endParaRPr lang="en-US"/>
           </a:p>
@@ -17214,7 +17310,7 @@
           <a:p>
             <a:fld id="{32D44716-4C9F-4AAD-9C92-6002A8E112F8}" type="datetimeFigureOut">
               <a:rPr lang="en-US" smtClean="0"/>
-              <a:t>2/10/2018</a:t>
+              <a:t>2/12/2018</a:t>
             </a:fld>
             <a:endParaRPr lang="en-US"/>
           </a:p>
@@ -19277,7 +19373,7 @@
           <p:nvPr/>
         </p:nvPicPr>
         <p:blipFill>
-          <a:blip r:embed="rId2" cstate="print">
+          <a:blip r:embed="rId3" cstate="print">
             <a:extLst>
               <a:ext uri="{28A0092B-C50C-407E-A947-70E740481C1C}">
                 <a14:useLocalDpi xmlns:a14="http://schemas.microsoft.com/office/drawing/2010/main" val="0"/>
@@ -19492,6 +19588,37 @@
             </a:r>
             <a:endParaRPr lang="en-US" dirty="0" smtClean="0"/>
           </a:p>
+          <a:p>
+            <a:pPr>
+              <a:buFont typeface="Wingdings" panose="05000000000000000000" pitchFamily="2" charset="2"/>
+              <a:buChar char="§"/>
+            </a:pPr>
+            <a:r>
+              <a:rPr lang="en-US" dirty="0"/>
+              <a:t> </a:t>
+            </a:r>
+            <a:r>
+              <a:rPr lang="en-US" dirty="0" err="1" smtClean="0"/>
+              <a:t>Makecourse</a:t>
+            </a:r>
+            <a:r>
+              <a:rPr lang="en-US" dirty="0"/>
+              <a:t> YouTube videos: </a:t>
+            </a:r>
+            <a:r>
+              <a:rPr lang="en-US" dirty="0">
+                <a:hlinkClick r:id="rId4"/>
+              </a:rPr>
+              <a:t>https://</a:t>
+            </a:r>
+            <a:r>
+              <a:rPr lang="en-US" dirty="0" smtClean="0">
+                <a:hlinkClick r:id="rId4"/>
+              </a:rPr>
+              <a:t>www.youtube.com/channel/UCvDaEBAP3q3HIVP5lT38fZQ</a:t>
+            </a:r>
+            <a:endParaRPr lang="en-US" dirty="0" smtClean="0"/>
+          </a:p>
         </p:txBody>
       </p:sp>
       <p:pic>
@@ -19503,7 +19630,7 @@
           <p:nvPr/>
         </p:nvPicPr>
         <p:blipFill rotWithShape="1">
-          <a:blip r:embed="rId4">
+          <a:blip r:embed="rId5">
             <a:extLst>
               <a:ext uri="{28A0092B-C50C-407E-A947-70E740481C1C}">
                 <a14:useLocalDpi xmlns:a14="http://schemas.microsoft.com/office/drawing/2010/main" val="0"/>
@@ -19515,8 +19642,8 @@
         </p:blipFill>
         <p:spPr>
           <a:xfrm>
-            <a:off x="443739" y="4055237"/>
-            <a:ext cx="3969384" cy="2268046"/>
+            <a:off x="356307" y="4122339"/>
+            <a:ext cx="4609097" cy="2633568"/>
           </a:xfrm>
           <a:prstGeom prst="rect">
             <a:avLst/>
@@ -19532,7 +19659,7 @@
           <p:nvPr/>
         </p:nvPicPr>
         <p:blipFill rotWithShape="1">
-          <a:blip r:embed="rId5">
+          <a:blip r:embed="rId6">
             <a:extLst>
               <a:ext uri="{28A0092B-C50C-407E-A947-70E740481C1C}">
                 <a14:useLocalDpi xmlns:a14="http://schemas.microsoft.com/office/drawing/2010/main" val="0"/>
@@ -19544,8 +19671,8 @@
         </p:blipFill>
         <p:spPr>
           <a:xfrm>
-            <a:off x="5300218" y="3322492"/>
-            <a:ext cx="3082290" cy="2986868"/>
+            <a:off x="5682990" y="4055237"/>
+            <a:ext cx="2786949" cy="2700670"/>
           </a:xfrm>
           <a:prstGeom prst="rect">
             <a:avLst/>
@@ -19599,7 +19726,12 @@
             <p:ph type="ctrTitle"/>
           </p:nvPr>
         </p:nvSpPr>
-        <p:spPr/>
+        <p:spPr>
+          <a:xfrm>
+            <a:off x="385431" y="4872950"/>
+            <a:ext cx="5829300" cy="1463040"/>
+          </a:xfrm>
+        </p:spPr>
         <p:txBody>
           <a:bodyPr/>
           <a:lstStyle/>
@@ -19642,6 +19774,35 @@
           </a:prstGeom>
         </p:spPr>
       </p:pic>
+      <p:sp>
+        <p:nvSpPr>
+          <p:cNvPr id="3" name="TextBox 2"/>
+          <p:cNvSpPr txBox="1"/>
+          <p:nvPr/>
+        </p:nvSpPr>
+        <p:spPr>
+          <a:xfrm>
+            <a:off x="3394444" y="5858539"/>
+            <a:ext cx="3771900" cy="369332"/>
+          </a:xfrm>
+          <a:prstGeom prst="rect">
+            <a:avLst/>
+          </a:prstGeom>
+          <a:noFill/>
+        </p:spPr>
+        <p:txBody>
+          <a:bodyPr wrap="square" rtlCol="0">
+            <a:spAutoFit/>
+          </a:bodyPr>
+          <a:lstStyle/>
+          <a:p>
+            <a:r>
+              <a:rPr lang="en-US" dirty="0"/>
+              <a:t>https://github.com/wicseusf</a:t>
+            </a:r>
+          </a:p>
+        </p:txBody>
+      </p:sp>
     </p:spTree>
     <p:extLst>
       <p:ext uri="{BB962C8B-B14F-4D97-AF65-F5344CB8AC3E}">
